--- a/Slides/12. 코드 리뷰.pptx
+++ b/Slides/12. 코드 리뷰.pptx
@@ -284,7 +284,7 @@
           <a:p>
             <a:fld id="{3A51E6CB-1B67-49CD-819C-CBD1F8F15839}" type="datetimeFigureOut">
               <a:rPr lang="ko-KR" altLang="en-US" smtClean="0"/>
-              <a:t>2019-11-05</a:t>
+              <a:t>2019-11-30</a:t>
             </a:fld>
             <a:endParaRPr lang="ko-KR" altLang="en-US"/>
           </a:p>
@@ -1018,7 +1018,7 @@
           <a:p>
             <a:fld id="{1EA80F27-E9B9-4A8E-9A59-01CCB3F43850}" type="datetime1">
               <a:rPr lang="ko-KR" altLang="en-US" smtClean="0"/>
-              <a:t>2019-11-05</a:t>
+              <a:t>2019-11-30</a:t>
             </a:fld>
             <a:endParaRPr lang="ko-KR" altLang="en-US"/>
           </a:p>
@@ -1234,7 +1234,7 @@
           <a:p>
             <a:fld id="{7E5363F8-22A8-407F-82B0-EFC1D1C22895}" type="datetime1">
               <a:rPr lang="ko-KR" altLang="en-US" smtClean="0"/>
-              <a:t>2019-11-05</a:t>
+              <a:t>2019-11-30</a:t>
             </a:fld>
             <a:endParaRPr lang="ko-KR" altLang="en-US"/>
           </a:p>
@@ -1414,7 +1414,7 @@
           <a:p>
             <a:fld id="{8187739B-8E74-4F06-BBD0-F6D670C1F7A1}" type="datetime1">
               <a:rPr lang="ko-KR" altLang="en-US" smtClean="0"/>
-              <a:t>2019-11-05</a:t>
+              <a:t>2019-11-30</a:t>
             </a:fld>
             <a:endParaRPr lang="ko-KR" altLang="en-US"/>
           </a:p>
@@ -1584,7 +1584,7 @@
           <a:p>
             <a:fld id="{947C39E4-F1C0-46F5-93CB-857C8C3AEB8D}" type="datetime1">
               <a:rPr lang="ko-KR" altLang="en-US" smtClean="0"/>
-              <a:t>2019-11-05</a:t>
+              <a:t>2019-11-30</a:t>
             </a:fld>
             <a:endParaRPr lang="ko-KR" altLang="en-US"/>
           </a:p>
@@ -1828,7 +1828,7 @@
           <a:p>
             <a:fld id="{7818271D-E6C7-4286-B2FD-D9AA53F1E428}" type="datetime1">
               <a:rPr lang="ko-KR" altLang="en-US" smtClean="0"/>
-              <a:t>2019-11-05</a:t>
+              <a:t>2019-11-30</a:t>
             </a:fld>
             <a:endParaRPr lang="ko-KR" altLang="en-US"/>
           </a:p>
@@ -2060,7 +2060,7 @@
           <a:p>
             <a:fld id="{8CE3C26B-F624-420D-BF9D-391E2E695B27}" type="datetime1">
               <a:rPr lang="ko-KR" altLang="en-US" smtClean="0"/>
-              <a:t>2019-11-05</a:t>
+              <a:t>2019-11-30</a:t>
             </a:fld>
             <a:endParaRPr lang="ko-KR" altLang="en-US"/>
           </a:p>
@@ -2427,7 +2427,7 @@
           <a:p>
             <a:fld id="{A1FC83CE-7AD5-4A20-9998-54C7F9F05545}" type="datetime1">
               <a:rPr lang="ko-KR" altLang="en-US" smtClean="0"/>
-              <a:t>2019-11-05</a:t>
+              <a:t>2019-11-30</a:t>
             </a:fld>
             <a:endParaRPr lang="ko-KR" altLang="en-US"/>
           </a:p>
@@ -2545,7 +2545,7 @@
           <a:p>
             <a:fld id="{3A3E22EA-EB96-4ADF-ABA9-A693E5F7BB1E}" type="datetime1">
               <a:rPr lang="ko-KR" altLang="en-US" smtClean="0"/>
-              <a:t>2019-11-05</a:t>
+              <a:t>2019-11-30</a:t>
             </a:fld>
             <a:endParaRPr lang="ko-KR" altLang="en-US"/>
           </a:p>
@@ -2640,7 +2640,7 @@
           <a:p>
             <a:fld id="{0D5BD961-86A8-440A-8C4E-52B6CA6FECED}" type="datetime1">
               <a:rPr lang="ko-KR" altLang="en-US" smtClean="0"/>
-              <a:t>2019-11-05</a:t>
+              <a:t>2019-11-30</a:t>
             </a:fld>
             <a:endParaRPr lang="ko-KR" altLang="en-US"/>
           </a:p>
@@ -2917,7 +2917,7 @@
           <a:p>
             <a:fld id="{CD151CC0-1347-483B-8708-01772054FA68}" type="datetime1">
               <a:rPr lang="ko-KR" altLang="en-US" smtClean="0"/>
-              <a:t>2019-11-05</a:t>
+              <a:t>2019-11-30</a:t>
             </a:fld>
             <a:endParaRPr lang="ko-KR" altLang="en-US"/>
           </a:p>
@@ -3174,7 +3174,7 @@
           <a:p>
             <a:fld id="{57185993-49E6-4096-BF26-930E741DA796}" type="datetime1">
               <a:rPr lang="ko-KR" altLang="en-US" smtClean="0"/>
-              <a:t>2019-11-05</a:t>
+              <a:t>2019-11-30</a:t>
             </a:fld>
             <a:endParaRPr lang="ko-KR" altLang="en-US"/>
           </a:p>
@@ -3390,7 +3390,7 @@
           <a:p>
             <a:fld id="{170798F3-F6A9-4876-8D5A-30BE2843F4A2}" type="datetime1">
               <a:rPr lang="ko-KR" altLang="en-US" smtClean="0"/>
-              <a:t>2019-11-05</a:t>
+              <a:t>2019-11-30</a:t>
             </a:fld>
             <a:endParaRPr lang="ko-KR" altLang="en-US"/>
           </a:p>
@@ -18483,15 +18483,7 @@
           <a:p>
             <a:r>
               <a:rPr lang="ko-KR" altLang="en-US" dirty="0"/>
-              <a:t>코드 리뷰 </a:t>
-            </a:r>
-            <a:r>
-              <a:rPr lang="ko-KR" altLang="en-US" dirty="0" err="1"/>
-              <a:t>예코드</a:t>
-            </a:r>
-            <a:r>
-              <a:rPr lang="ko-KR" altLang="en-US" dirty="0"/>
-              <a:t> 리뷰 예</a:t>
+              <a:t>코드 리뷰 예</a:t>
             </a:r>
           </a:p>
         </p:txBody>
